--- a/document/학생관리 김예진.pptx
+++ b/document/학생관리 김예진.pptx
@@ -9064,15 +9064,6 @@
               </a:rPr>
               <a:t>관리화면</a:t>
             </a:r>
-            <a:endParaRPr lang="ko-KR" altLang="en-US" dirty="0">
-              <a:solidFill>
-                <a:schemeClr val="tx1">
-                  <a:lumMod val="65000"/>
-                  <a:lumOff val="35000"/>
-                </a:schemeClr>
-              </a:solidFill>
-              <a:latin typeface="+mj-lt"/>
-            </a:endParaRPr>
           </a:p>
         </p:txBody>
       </p:sp>
@@ -9139,15 +9130,6 @@
               </a:rPr>
               <a:t>학생 추가</a:t>
             </a:r>
-            <a:endParaRPr lang="ko-KR" altLang="en-US" sz="1400" dirty="0">
-              <a:solidFill>
-                <a:schemeClr val="tx1">
-                  <a:lumMod val="65000"/>
-                  <a:lumOff val="35000"/>
-                </a:schemeClr>
-              </a:solidFill>
-              <a:latin typeface="+mj-lt"/>
-            </a:endParaRPr>
           </a:p>
         </p:txBody>
       </p:sp>
@@ -15068,14 +15050,6 @@
               </a:rPr>
               <a:t>수정 화면</a:t>
             </a:r>
-            <a:endParaRPr lang="ko-KR" altLang="en-US" b="1" spc="-150" dirty="0">
-              <a:solidFill>
-                <a:prstClr val="black">
-                  <a:lumMod val="75000"/>
-                  <a:lumOff val="25000"/>
-                </a:prstClr>
-              </a:solidFill>
-            </a:endParaRPr>
           </a:p>
         </p:txBody>
       </p:sp>
@@ -16211,20 +16185,7 @@
                 <a:latin typeface="HY헤드라인M" panose="02030600000101010101" pitchFamily="18" charset="-127"/>
                 <a:ea typeface="HY헤드라인M" panose="02030600000101010101" pitchFamily="18" charset="-127"/>
               </a:rPr>
-              <a:t>프로젝트 </a:t>
-            </a:r>
-            <a:r>
-              <a:rPr lang="ko-KR" altLang="en-US" sz="2000" b="1" spc="-150" dirty="0" smtClean="0">
-                <a:solidFill>
-                  <a:schemeClr val="tx1">
-                    <a:lumMod val="65000"/>
-                    <a:lumOff val="35000"/>
-                  </a:schemeClr>
-                </a:solidFill>
-                <a:latin typeface="HY헤드라인M" panose="02030600000101010101" pitchFamily="18" charset="-127"/>
-                <a:ea typeface="HY헤드라인M" panose="02030600000101010101" pitchFamily="18" charset="-127"/>
-              </a:rPr>
-              <a:t>소개</a:t>
+              <a:t>프로젝트 소개</a:t>
             </a:r>
             <a:endParaRPr lang="ko-KR" altLang="en-US" sz="2000" b="1" spc="-150" dirty="0">
               <a:solidFill>
@@ -22715,7 +22676,7 @@
           <p:cNvPr id="11" name="Group 41">
             <a:extLst>
               <a:ext uri="{FF2B5EF4-FFF2-40B4-BE49-F238E27FC236}">
-                <a16:creationId xmlns:a16="http://schemas.microsoft.com/office/drawing/2014/main" xmlns="" id="{D824673C-4A15-40F6-ADC3-7F250ADB8B6B}"/>
+                <a16:creationId xmlns="" xmlns:a16="http://schemas.microsoft.com/office/drawing/2014/main" id="{D824673C-4A15-40F6-ADC3-7F250ADB8B6B}"/>
               </a:ext>
             </a:extLst>
           </p:cNvPr>
@@ -22735,7 +22696,7 @@
             <p:cNvPr id="12" name="TextBox 11">
               <a:extLst>
                 <a:ext uri="{FF2B5EF4-FFF2-40B4-BE49-F238E27FC236}">
-                  <a16:creationId xmlns:a16="http://schemas.microsoft.com/office/drawing/2014/main" xmlns="" id="{5C94F937-36CF-49C2-84FE-8CA3CC0B3F65}"/>
+                  <a16:creationId xmlns="" xmlns:a16="http://schemas.microsoft.com/office/drawing/2014/main" id="{5C94F937-36CF-49C2-84FE-8CA3CC0B3F65}"/>
                 </a:ext>
               </a:extLst>
             </p:cNvPr>
@@ -22796,7 +22757,7 @@
             <p:cNvPr id="13" name="Rectangle 43">
               <a:extLst>
                 <a:ext uri="{FF2B5EF4-FFF2-40B4-BE49-F238E27FC236}">
-                  <a16:creationId xmlns:a16="http://schemas.microsoft.com/office/drawing/2014/main" xmlns="" id="{E935819C-A263-4244-905A-0C0008112263}"/>
+                  <a16:creationId xmlns="" xmlns:a16="http://schemas.microsoft.com/office/drawing/2014/main" id="{E935819C-A263-4244-905A-0C0008112263}"/>
                 </a:ext>
               </a:extLst>
             </p:cNvPr>
@@ -28132,45 +28093,6 @@
           </a:p>
         </p:txBody>
       </p:sp>
-      <p:sp>
-        <p:nvSpPr>
-          <p:cNvPr id="8" name="TextBox 7"/>
-          <p:cNvSpPr txBox="1"/>
-          <p:nvPr/>
-        </p:nvSpPr>
-        <p:spPr>
-          <a:xfrm>
-            <a:off x="5364088" y="271681"/>
-            <a:ext cx="3600400" cy="276999"/>
-          </a:xfrm>
-          <a:prstGeom prst="rect">
-            <a:avLst/>
-          </a:prstGeom>
-          <a:noFill/>
-        </p:spPr>
-        <p:txBody>
-          <a:bodyPr wrap="square" rtlCol="0">
-            <a:spAutoFit/>
-          </a:bodyPr>
-          <a:lstStyle/>
-          <a:p>
-            <a:pPr algn="dist"/>
-            <a:r>
-              <a:rPr lang="en-US" altLang="ko-KR" sz="1200" smtClean="0">
-                <a:solidFill>
-                  <a:schemeClr val="bg1"/>
-                </a:solidFill>
-              </a:rPr>
-              <a:t>PROJECT TOURLAND</a:t>
-            </a:r>
-            <a:endParaRPr lang="ko-KR" altLang="en-US" sz="1200" dirty="0" smtClean="0">
-              <a:solidFill>
-                <a:schemeClr val="bg1"/>
-              </a:solidFill>
-            </a:endParaRPr>
-          </a:p>
-        </p:txBody>
-      </p:sp>
     </p:spTree>
   </p:cSld>
   <p:clrMapOvr>
@@ -28549,7 +28471,7 @@
           <p:cNvPr id="31" name="직사각형 30">
             <a:extLst>
               <a:ext uri="{FF2B5EF4-FFF2-40B4-BE49-F238E27FC236}">
-                <a16:creationId xmlns:a16="http://schemas.microsoft.com/office/drawing/2014/main" xmlns="" id="{3FA00699-5178-465A-9F3F-130CF1431F70}"/>
+                <a16:creationId xmlns="" xmlns:a16="http://schemas.microsoft.com/office/drawing/2014/main" id="{3FA00699-5178-465A-9F3F-130CF1431F70}"/>
               </a:ext>
             </a:extLst>
           </p:cNvPr>
@@ -28602,7 +28524,7 @@
           <p:cNvPr id="32" name="직사각형 31">
             <a:extLst>
               <a:ext uri="{FF2B5EF4-FFF2-40B4-BE49-F238E27FC236}">
-                <a16:creationId xmlns:a16="http://schemas.microsoft.com/office/drawing/2014/main" xmlns="" id="{3FA00699-5178-465A-9F3F-130CF1431F70}"/>
+                <a16:creationId xmlns="" xmlns:a16="http://schemas.microsoft.com/office/drawing/2014/main" id="{3FA00699-5178-465A-9F3F-130CF1431F70}"/>
               </a:ext>
             </a:extLst>
           </p:cNvPr>
@@ -28683,7 +28605,7 @@
           <p:cNvPr id="33" name="직사각형 32">
             <a:extLst>
               <a:ext uri="{FF2B5EF4-FFF2-40B4-BE49-F238E27FC236}">
-                <a16:creationId xmlns:a16="http://schemas.microsoft.com/office/drawing/2014/main" xmlns="" id="{3FA00699-5178-465A-9F3F-130CF1431F70}"/>
+                <a16:creationId xmlns="" xmlns:a16="http://schemas.microsoft.com/office/drawing/2014/main" id="{3FA00699-5178-465A-9F3F-130CF1431F70}"/>
               </a:ext>
             </a:extLst>
           </p:cNvPr>
@@ -28736,7 +28658,7 @@
           <p:cNvPr id="35" name="직사각형 34">
             <a:extLst>
               <a:ext uri="{FF2B5EF4-FFF2-40B4-BE49-F238E27FC236}">
-                <a16:creationId xmlns:a16="http://schemas.microsoft.com/office/drawing/2014/main" xmlns="" id="{3FA00699-5178-465A-9F3F-130CF1431F70}"/>
+                <a16:creationId xmlns="" xmlns:a16="http://schemas.microsoft.com/office/drawing/2014/main" id="{3FA00699-5178-465A-9F3F-130CF1431F70}"/>
               </a:ext>
             </a:extLst>
           </p:cNvPr>
@@ -28842,7 +28764,7 @@
           <p:cNvPr id="41" name="직사각형 40">
             <a:extLst>
               <a:ext uri="{FF2B5EF4-FFF2-40B4-BE49-F238E27FC236}">
-                <a16:creationId xmlns:a16="http://schemas.microsoft.com/office/drawing/2014/main" xmlns="" id="{3FA00699-5178-465A-9F3F-130CF1431F70}"/>
+                <a16:creationId xmlns="" xmlns:a16="http://schemas.microsoft.com/office/drawing/2014/main" id="{3FA00699-5178-465A-9F3F-130CF1431F70}"/>
               </a:ext>
             </a:extLst>
           </p:cNvPr>
@@ -28903,7 +28825,7 @@
           <p:cNvPr id="42" name="직사각형 41">
             <a:extLst>
               <a:ext uri="{FF2B5EF4-FFF2-40B4-BE49-F238E27FC236}">
-                <a16:creationId xmlns:a16="http://schemas.microsoft.com/office/drawing/2014/main" xmlns="" id="{3FA00699-5178-465A-9F3F-130CF1431F70}"/>
+                <a16:creationId xmlns="" xmlns:a16="http://schemas.microsoft.com/office/drawing/2014/main" id="{3FA00699-5178-465A-9F3F-130CF1431F70}"/>
               </a:ext>
             </a:extLst>
           </p:cNvPr>
@@ -29221,17 +29143,7 @@
                 <a:latin typeface="HY헤드라인M" pitchFamily="18" charset="-127"/>
                 <a:ea typeface="HY헤드라인M" pitchFamily="18" charset="-127"/>
               </a:rPr>
-              <a:t> </a:t>
-            </a:r>
-            <a:r>
-              <a:rPr lang="en-US" altLang="ko-KR" sz="2400" dirty="0" smtClean="0">
-                <a:solidFill>
-                  <a:prstClr val="white"/>
-                </a:solidFill>
-                <a:latin typeface="HY헤드라인M" pitchFamily="18" charset="-127"/>
-                <a:ea typeface="HY헤드라인M" pitchFamily="18" charset="-127"/>
-              </a:rPr>
-              <a:t>DB</a:t>
+              <a:t> DB</a:t>
             </a:r>
             <a:r>
               <a:rPr lang="ko-KR" altLang="en-US" sz="2400" dirty="0" smtClean="0">
